--- a/externalfig/Rstudio.pptx
+++ b/externalfig/Rstudio.pptx
@@ -7,6 +7,10 @@
   <p:sldIdLst>
     <p:sldId id="256" r:id="rId2"/>
     <p:sldId id="257" r:id="rId3"/>
+    <p:sldId id="258" r:id="rId4"/>
+    <p:sldId id="259" r:id="rId5"/>
+    <p:sldId id="260" r:id="rId6"/>
+    <p:sldId id="261" r:id="rId7"/>
   </p:sldIdLst>
   <p:sldSz cx="9144000" cy="6119813"/>
   <p:notesSz cx="6858000" cy="9144000"/>
@@ -155,7 +159,7 @@
           </a:lstStyle>
           <a:p>
             <a:r>
-              <a:rPr lang="de-DE" smtClean="0"/>
+              <a:rPr lang="de-DE"/>
               <a:t>Titelmasterformat durch Klicken bearbeiten</a:t>
             </a:r>
             <a:endParaRPr lang="en-US" dirty="0"/>
@@ -220,7 +224,7 @@
           </a:lstStyle>
           <a:p>
             <a:r>
-              <a:rPr lang="de-DE" smtClean="0"/>
+              <a:rPr lang="de-DE"/>
               <a:t>Formatvorlage des Untertitelmasters durch Klicken bearbeiten</a:t>
             </a:r>
             <a:endParaRPr lang="en-US" dirty="0"/>
@@ -244,7 +248,7 @@
           <a:p>
             <a:fld id="{300DB245-849F-4AAA-AD3E-676A6FA9CB3B}" type="datetimeFigureOut">
               <a:rPr lang="de-DE" smtClean="0"/>
-              <a:t>13.09.2017</a:t>
+              <a:t>20.04.2021</a:t>
             </a:fld>
             <a:endParaRPr lang="de-DE"/>
           </a:p>
@@ -286,7 +290,7 @@
           <a:p>
             <a:fld id="{09B3A486-8BC0-4F15-8591-77BE555F5E45}" type="slidenum">
               <a:rPr lang="de-DE" smtClean="0"/>
-              <a:t>‹Nr.›</a:t>
+              <a:t>‹#›</a:t>
             </a:fld>
             <a:endParaRPr lang="de-DE"/>
           </a:p>
@@ -338,7 +342,7 @@
           <a:lstStyle/>
           <a:p>
             <a:r>
-              <a:rPr lang="de-DE" smtClean="0"/>
+              <a:rPr lang="de-DE"/>
               <a:t>Titelmasterformat durch Klicken bearbeiten</a:t>
             </a:r>
             <a:endParaRPr lang="en-US" dirty="0"/>
@@ -362,35 +366,35 @@
           <a:p>
             <a:pPr lvl="0"/>
             <a:r>
-              <a:rPr lang="de-DE" smtClean="0"/>
+              <a:rPr lang="de-DE"/>
               <a:t>Textmasterformat bearbeiten</a:t>
             </a:r>
           </a:p>
           <a:p>
             <a:pPr lvl="1"/>
             <a:r>
-              <a:rPr lang="de-DE" smtClean="0"/>
+              <a:rPr lang="de-DE"/>
               <a:t>Zweite Ebene</a:t>
             </a:r>
           </a:p>
           <a:p>
             <a:pPr lvl="2"/>
             <a:r>
-              <a:rPr lang="de-DE" smtClean="0"/>
+              <a:rPr lang="de-DE"/>
               <a:t>Dritte Ebene</a:t>
             </a:r>
           </a:p>
           <a:p>
             <a:pPr lvl="3"/>
             <a:r>
-              <a:rPr lang="de-DE" smtClean="0"/>
+              <a:rPr lang="de-DE"/>
               <a:t>Vierte Ebene</a:t>
             </a:r>
           </a:p>
           <a:p>
             <a:pPr lvl="4"/>
             <a:r>
-              <a:rPr lang="de-DE" smtClean="0"/>
+              <a:rPr lang="de-DE"/>
               <a:t>Fünfte Ebene</a:t>
             </a:r>
             <a:endParaRPr lang="en-US" dirty="0"/>
@@ -414,7 +418,7 @@
           <a:p>
             <a:fld id="{300DB245-849F-4AAA-AD3E-676A6FA9CB3B}" type="datetimeFigureOut">
               <a:rPr lang="de-DE" smtClean="0"/>
-              <a:t>13.09.2017</a:t>
+              <a:t>20.04.2021</a:t>
             </a:fld>
             <a:endParaRPr lang="de-DE"/>
           </a:p>
@@ -456,7 +460,7 @@
           <a:p>
             <a:fld id="{09B3A486-8BC0-4F15-8591-77BE555F5E45}" type="slidenum">
               <a:rPr lang="de-DE" smtClean="0"/>
-              <a:t>‹Nr.›</a:t>
+              <a:t>‹#›</a:t>
             </a:fld>
             <a:endParaRPr lang="de-DE"/>
           </a:p>
@@ -513,7 +517,7 @@
           <a:lstStyle/>
           <a:p>
             <a:r>
-              <a:rPr lang="de-DE" smtClean="0"/>
+              <a:rPr lang="de-DE"/>
               <a:t>Titelmasterformat durch Klicken bearbeiten</a:t>
             </a:r>
             <a:endParaRPr lang="en-US" dirty="0"/>
@@ -542,35 +546,35 @@
           <a:p>
             <a:pPr lvl="0"/>
             <a:r>
-              <a:rPr lang="de-DE" smtClean="0"/>
+              <a:rPr lang="de-DE"/>
               <a:t>Textmasterformat bearbeiten</a:t>
             </a:r>
           </a:p>
           <a:p>
             <a:pPr lvl="1"/>
             <a:r>
-              <a:rPr lang="de-DE" smtClean="0"/>
+              <a:rPr lang="de-DE"/>
               <a:t>Zweite Ebene</a:t>
             </a:r>
           </a:p>
           <a:p>
             <a:pPr lvl="2"/>
             <a:r>
-              <a:rPr lang="de-DE" smtClean="0"/>
+              <a:rPr lang="de-DE"/>
               <a:t>Dritte Ebene</a:t>
             </a:r>
           </a:p>
           <a:p>
             <a:pPr lvl="3"/>
             <a:r>
-              <a:rPr lang="de-DE" smtClean="0"/>
+              <a:rPr lang="de-DE"/>
               <a:t>Vierte Ebene</a:t>
             </a:r>
           </a:p>
           <a:p>
             <a:pPr lvl="4"/>
             <a:r>
-              <a:rPr lang="de-DE" smtClean="0"/>
+              <a:rPr lang="de-DE"/>
               <a:t>Fünfte Ebene</a:t>
             </a:r>
             <a:endParaRPr lang="en-US" dirty="0"/>
@@ -594,7 +598,7 @@
           <a:p>
             <a:fld id="{300DB245-849F-4AAA-AD3E-676A6FA9CB3B}" type="datetimeFigureOut">
               <a:rPr lang="de-DE" smtClean="0"/>
-              <a:t>13.09.2017</a:t>
+              <a:t>20.04.2021</a:t>
             </a:fld>
             <a:endParaRPr lang="de-DE"/>
           </a:p>
@@ -636,7 +640,7 @@
           <a:p>
             <a:fld id="{09B3A486-8BC0-4F15-8591-77BE555F5E45}" type="slidenum">
               <a:rPr lang="de-DE" smtClean="0"/>
-              <a:t>‹Nr.›</a:t>
+              <a:t>‹#›</a:t>
             </a:fld>
             <a:endParaRPr lang="de-DE"/>
           </a:p>
@@ -688,7 +692,7 @@
           <a:lstStyle/>
           <a:p>
             <a:r>
-              <a:rPr lang="de-DE" smtClean="0"/>
+              <a:rPr lang="de-DE"/>
               <a:t>Titelmasterformat durch Klicken bearbeiten</a:t>
             </a:r>
             <a:endParaRPr lang="en-US" dirty="0"/>
@@ -712,35 +716,35 @@
           <a:p>
             <a:pPr lvl="0"/>
             <a:r>
-              <a:rPr lang="de-DE" smtClean="0"/>
+              <a:rPr lang="de-DE"/>
               <a:t>Textmasterformat bearbeiten</a:t>
             </a:r>
           </a:p>
           <a:p>
             <a:pPr lvl="1"/>
             <a:r>
-              <a:rPr lang="de-DE" smtClean="0"/>
+              <a:rPr lang="de-DE"/>
               <a:t>Zweite Ebene</a:t>
             </a:r>
           </a:p>
           <a:p>
             <a:pPr lvl="2"/>
             <a:r>
-              <a:rPr lang="de-DE" smtClean="0"/>
+              <a:rPr lang="de-DE"/>
               <a:t>Dritte Ebene</a:t>
             </a:r>
           </a:p>
           <a:p>
             <a:pPr lvl="3"/>
             <a:r>
-              <a:rPr lang="de-DE" smtClean="0"/>
+              <a:rPr lang="de-DE"/>
               <a:t>Vierte Ebene</a:t>
             </a:r>
           </a:p>
           <a:p>
             <a:pPr lvl="4"/>
             <a:r>
-              <a:rPr lang="de-DE" smtClean="0"/>
+              <a:rPr lang="de-DE"/>
               <a:t>Fünfte Ebene</a:t>
             </a:r>
             <a:endParaRPr lang="en-US" dirty="0"/>
@@ -764,7 +768,7 @@
           <a:p>
             <a:fld id="{300DB245-849F-4AAA-AD3E-676A6FA9CB3B}" type="datetimeFigureOut">
               <a:rPr lang="de-DE" smtClean="0"/>
-              <a:t>13.09.2017</a:t>
+              <a:t>20.04.2021</a:t>
             </a:fld>
             <a:endParaRPr lang="de-DE"/>
           </a:p>
@@ -806,7 +810,7 @@
           <a:p>
             <a:fld id="{09B3A486-8BC0-4F15-8591-77BE555F5E45}" type="slidenum">
               <a:rPr lang="de-DE" smtClean="0"/>
-              <a:t>‹Nr.›</a:t>
+              <a:t>‹#›</a:t>
             </a:fld>
             <a:endParaRPr lang="de-DE"/>
           </a:p>
@@ -867,7 +871,7 @@
           </a:lstStyle>
           <a:p>
             <a:r>
-              <a:rPr lang="de-DE" smtClean="0"/>
+              <a:rPr lang="de-DE"/>
               <a:t>Titelmasterformat durch Klicken bearbeiten</a:t>
             </a:r>
             <a:endParaRPr lang="en-US" dirty="0"/>
@@ -985,7 +989,7 @@
           <a:p>
             <a:pPr lvl="0"/>
             <a:r>
-              <a:rPr lang="de-DE" smtClean="0"/>
+              <a:rPr lang="de-DE"/>
               <a:t>Textmasterformat bearbeiten</a:t>
             </a:r>
           </a:p>
@@ -1008,7 +1012,7 @@
           <a:p>
             <a:fld id="{300DB245-849F-4AAA-AD3E-676A6FA9CB3B}" type="datetimeFigureOut">
               <a:rPr lang="de-DE" smtClean="0"/>
-              <a:t>13.09.2017</a:t>
+              <a:t>20.04.2021</a:t>
             </a:fld>
             <a:endParaRPr lang="de-DE"/>
           </a:p>
@@ -1050,7 +1054,7 @@
           <a:p>
             <a:fld id="{09B3A486-8BC0-4F15-8591-77BE555F5E45}" type="slidenum">
               <a:rPr lang="de-DE" smtClean="0"/>
-              <a:t>‹Nr.›</a:t>
+              <a:t>‹#›</a:t>
             </a:fld>
             <a:endParaRPr lang="de-DE"/>
           </a:p>
@@ -1102,7 +1106,7 @@
           <a:lstStyle/>
           <a:p>
             <a:r>
-              <a:rPr lang="de-DE" smtClean="0"/>
+              <a:rPr lang="de-DE"/>
               <a:t>Titelmasterformat durch Klicken bearbeiten</a:t>
             </a:r>
             <a:endParaRPr lang="en-US" dirty="0"/>
@@ -1131,35 +1135,35 @@
           <a:p>
             <a:pPr lvl="0"/>
             <a:r>
-              <a:rPr lang="de-DE" smtClean="0"/>
+              <a:rPr lang="de-DE"/>
               <a:t>Textmasterformat bearbeiten</a:t>
             </a:r>
           </a:p>
           <a:p>
             <a:pPr lvl="1"/>
             <a:r>
-              <a:rPr lang="de-DE" smtClean="0"/>
+              <a:rPr lang="de-DE"/>
               <a:t>Zweite Ebene</a:t>
             </a:r>
           </a:p>
           <a:p>
             <a:pPr lvl="2"/>
             <a:r>
-              <a:rPr lang="de-DE" smtClean="0"/>
+              <a:rPr lang="de-DE"/>
               <a:t>Dritte Ebene</a:t>
             </a:r>
           </a:p>
           <a:p>
             <a:pPr lvl="3"/>
             <a:r>
-              <a:rPr lang="de-DE" smtClean="0"/>
+              <a:rPr lang="de-DE"/>
               <a:t>Vierte Ebene</a:t>
             </a:r>
           </a:p>
           <a:p>
             <a:pPr lvl="4"/>
             <a:r>
-              <a:rPr lang="de-DE" smtClean="0"/>
+              <a:rPr lang="de-DE"/>
               <a:t>Fünfte Ebene</a:t>
             </a:r>
             <a:endParaRPr lang="en-US" dirty="0"/>
@@ -1188,35 +1192,35 @@
           <a:p>
             <a:pPr lvl="0"/>
             <a:r>
-              <a:rPr lang="de-DE" smtClean="0"/>
+              <a:rPr lang="de-DE"/>
               <a:t>Textmasterformat bearbeiten</a:t>
             </a:r>
           </a:p>
           <a:p>
             <a:pPr lvl="1"/>
             <a:r>
-              <a:rPr lang="de-DE" smtClean="0"/>
+              <a:rPr lang="de-DE"/>
               <a:t>Zweite Ebene</a:t>
             </a:r>
           </a:p>
           <a:p>
             <a:pPr lvl="2"/>
             <a:r>
-              <a:rPr lang="de-DE" smtClean="0"/>
+              <a:rPr lang="de-DE"/>
               <a:t>Dritte Ebene</a:t>
             </a:r>
           </a:p>
           <a:p>
             <a:pPr lvl="3"/>
             <a:r>
-              <a:rPr lang="de-DE" smtClean="0"/>
+              <a:rPr lang="de-DE"/>
               <a:t>Vierte Ebene</a:t>
             </a:r>
           </a:p>
           <a:p>
             <a:pPr lvl="4"/>
             <a:r>
-              <a:rPr lang="de-DE" smtClean="0"/>
+              <a:rPr lang="de-DE"/>
               <a:t>Fünfte Ebene</a:t>
             </a:r>
             <a:endParaRPr lang="en-US" dirty="0"/>
@@ -1240,7 +1244,7 @@
           <a:p>
             <a:fld id="{300DB245-849F-4AAA-AD3E-676A6FA9CB3B}" type="datetimeFigureOut">
               <a:rPr lang="de-DE" smtClean="0"/>
-              <a:t>13.09.2017</a:t>
+              <a:t>20.04.2021</a:t>
             </a:fld>
             <a:endParaRPr lang="de-DE"/>
           </a:p>
@@ -1282,7 +1286,7 @@
           <a:p>
             <a:fld id="{09B3A486-8BC0-4F15-8591-77BE555F5E45}" type="slidenum">
               <a:rPr lang="de-DE" smtClean="0"/>
-              <a:t>‹Nr.›</a:t>
+              <a:t>‹#›</a:t>
             </a:fld>
             <a:endParaRPr lang="de-DE"/>
           </a:p>
@@ -1339,7 +1343,7 @@
           <a:lstStyle/>
           <a:p>
             <a:r>
-              <a:rPr lang="de-DE" smtClean="0"/>
+              <a:rPr lang="de-DE"/>
               <a:t>Titelmasterformat durch Klicken bearbeiten</a:t>
             </a:r>
             <a:endParaRPr lang="en-US" dirty="0"/>
@@ -1405,7 +1409,7 @@
           <a:p>
             <a:pPr lvl="0"/>
             <a:r>
-              <a:rPr lang="de-DE" smtClean="0"/>
+              <a:rPr lang="de-DE"/>
               <a:t>Textmasterformat bearbeiten</a:t>
             </a:r>
           </a:p>
@@ -1433,35 +1437,35 @@
           <a:p>
             <a:pPr lvl="0"/>
             <a:r>
-              <a:rPr lang="de-DE" smtClean="0"/>
+              <a:rPr lang="de-DE"/>
               <a:t>Textmasterformat bearbeiten</a:t>
             </a:r>
           </a:p>
           <a:p>
             <a:pPr lvl="1"/>
             <a:r>
-              <a:rPr lang="de-DE" smtClean="0"/>
+              <a:rPr lang="de-DE"/>
               <a:t>Zweite Ebene</a:t>
             </a:r>
           </a:p>
           <a:p>
             <a:pPr lvl="2"/>
             <a:r>
-              <a:rPr lang="de-DE" smtClean="0"/>
+              <a:rPr lang="de-DE"/>
               <a:t>Dritte Ebene</a:t>
             </a:r>
           </a:p>
           <a:p>
             <a:pPr lvl="3"/>
             <a:r>
-              <a:rPr lang="de-DE" smtClean="0"/>
+              <a:rPr lang="de-DE"/>
               <a:t>Vierte Ebene</a:t>
             </a:r>
           </a:p>
           <a:p>
             <a:pPr lvl="4"/>
             <a:r>
-              <a:rPr lang="de-DE" smtClean="0"/>
+              <a:rPr lang="de-DE"/>
               <a:t>Fünfte Ebene</a:t>
             </a:r>
             <a:endParaRPr lang="en-US" dirty="0"/>
@@ -1527,7 +1531,7 @@
           <a:p>
             <a:pPr lvl="0"/>
             <a:r>
-              <a:rPr lang="de-DE" smtClean="0"/>
+              <a:rPr lang="de-DE"/>
               <a:t>Textmasterformat bearbeiten</a:t>
             </a:r>
           </a:p>
@@ -1555,35 +1559,35 @@
           <a:p>
             <a:pPr lvl="0"/>
             <a:r>
-              <a:rPr lang="de-DE" smtClean="0"/>
+              <a:rPr lang="de-DE"/>
               <a:t>Textmasterformat bearbeiten</a:t>
             </a:r>
           </a:p>
           <a:p>
             <a:pPr lvl="1"/>
             <a:r>
-              <a:rPr lang="de-DE" smtClean="0"/>
+              <a:rPr lang="de-DE"/>
               <a:t>Zweite Ebene</a:t>
             </a:r>
           </a:p>
           <a:p>
             <a:pPr lvl="2"/>
             <a:r>
-              <a:rPr lang="de-DE" smtClean="0"/>
+              <a:rPr lang="de-DE"/>
               <a:t>Dritte Ebene</a:t>
             </a:r>
           </a:p>
           <a:p>
             <a:pPr lvl="3"/>
             <a:r>
-              <a:rPr lang="de-DE" smtClean="0"/>
+              <a:rPr lang="de-DE"/>
               <a:t>Vierte Ebene</a:t>
             </a:r>
           </a:p>
           <a:p>
             <a:pPr lvl="4"/>
             <a:r>
-              <a:rPr lang="de-DE" smtClean="0"/>
+              <a:rPr lang="de-DE"/>
               <a:t>Fünfte Ebene</a:t>
             </a:r>
             <a:endParaRPr lang="en-US" dirty="0"/>
@@ -1607,7 +1611,7 @@
           <a:p>
             <a:fld id="{300DB245-849F-4AAA-AD3E-676A6FA9CB3B}" type="datetimeFigureOut">
               <a:rPr lang="de-DE" smtClean="0"/>
-              <a:t>13.09.2017</a:t>
+              <a:t>20.04.2021</a:t>
             </a:fld>
             <a:endParaRPr lang="de-DE"/>
           </a:p>
@@ -1649,7 +1653,7 @@
           <a:p>
             <a:fld id="{09B3A486-8BC0-4F15-8591-77BE555F5E45}" type="slidenum">
               <a:rPr lang="de-DE" smtClean="0"/>
-              <a:t>‹Nr.›</a:t>
+              <a:t>‹#›</a:t>
             </a:fld>
             <a:endParaRPr lang="de-DE"/>
           </a:p>
@@ -1701,7 +1705,7 @@
           <a:lstStyle/>
           <a:p>
             <a:r>
-              <a:rPr lang="de-DE" smtClean="0"/>
+              <a:rPr lang="de-DE"/>
               <a:t>Titelmasterformat durch Klicken bearbeiten</a:t>
             </a:r>
             <a:endParaRPr lang="en-US" dirty="0"/>
@@ -1725,7 +1729,7 @@
           <a:p>
             <a:fld id="{300DB245-849F-4AAA-AD3E-676A6FA9CB3B}" type="datetimeFigureOut">
               <a:rPr lang="de-DE" smtClean="0"/>
-              <a:t>13.09.2017</a:t>
+              <a:t>20.04.2021</a:t>
             </a:fld>
             <a:endParaRPr lang="de-DE"/>
           </a:p>
@@ -1767,7 +1771,7 @@
           <a:p>
             <a:fld id="{09B3A486-8BC0-4F15-8591-77BE555F5E45}" type="slidenum">
               <a:rPr lang="de-DE" smtClean="0"/>
-              <a:t>‹Nr.›</a:t>
+              <a:t>‹#›</a:t>
             </a:fld>
             <a:endParaRPr lang="de-DE"/>
           </a:p>
@@ -1820,7 +1824,7 @@
           <a:p>
             <a:fld id="{300DB245-849F-4AAA-AD3E-676A6FA9CB3B}" type="datetimeFigureOut">
               <a:rPr lang="de-DE" smtClean="0"/>
-              <a:t>13.09.2017</a:t>
+              <a:t>20.04.2021</a:t>
             </a:fld>
             <a:endParaRPr lang="de-DE"/>
           </a:p>
@@ -1862,7 +1866,7 @@
           <a:p>
             <a:fld id="{09B3A486-8BC0-4F15-8591-77BE555F5E45}" type="slidenum">
               <a:rPr lang="de-DE" smtClean="0"/>
-              <a:t>‹Nr.›</a:t>
+              <a:t>‹#›</a:t>
             </a:fld>
             <a:endParaRPr lang="de-DE"/>
           </a:p>
@@ -1923,7 +1927,7 @@
           </a:lstStyle>
           <a:p>
             <a:r>
-              <a:rPr lang="de-DE" smtClean="0"/>
+              <a:rPr lang="de-DE"/>
               <a:t>Titelmasterformat durch Klicken bearbeiten</a:t>
             </a:r>
             <a:endParaRPr lang="en-US" dirty="0"/>
@@ -1980,35 +1984,35 @@
           <a:p>
             <a:pPr lvl="0"/>
             <a:r>
-              <a:rPr lang="de-DE" smtClean="0"/>
+              <a:rPr lang="de-DE"/>
               <a:t>Textmasterformat bearbeiten</a:t>
             </a:r>
           </a:p>
           <a:p>
             <a:pPr lvl="1"/>
             <a:r>
-              <a:rPr lang="de-DE" smtClean="0"/>
+              <a:rPr lang="de-DE"/>
               <a:t>Zweite Ebene</a:t>
             </a:r>
           </a:p>
           <a:p>
             <a:pPr lvl="2"/>
             <a:r>
-              <a:rPr lang="de-DE" smtClean="0"/>
+              <a:rPr lang="de-DE"/>
               <a:t>Dritte Ebene</a:t>
             </a:r>
           </a:p>
           <a:p>
             <a:pPr lvl="3"/>
             <a:r>
-              <a:rPr lang="de-DE" smtClean="0"/>
+              <a:rPr lang="de-DE"/>
               <a:t>Vierte Ebene</a:t>
             </a:r>
           </a:p>
           <a:p>
             <a:pPr lvl="4"/>
             <a:r>
-              <a:rPr lang="de-DE" smtClean="0"/>
+              <a:rPr lang="de-DE"/>
               <a:t>Fünfte Ebene</a:t>
             </a:r>
             <a:endParaRPr lang="en-US" dirty="0"/>
@@ -2074,7 +2078,7 @@
           <a:p>
             <a:pPr lvl="0"/>
             <a:r>
-              <a:rPr lang="de-DE" smtClean="0"/>
+              <a:rPr lang="de-DE"/>
               <a:t>Textmasterformat bearbeiten</a:t>
             </a:r>
           </a:p>
@@ -2097,7 +2101,7 @@
           <a:p>
             <a:fld id="{300DB245-849F-4AAA-AD3E-676A6FA9CB3B}" type="datetimeFigureOut">
               <a:rPr lang="de-DE" smtClean="0"/>
-              <a:t>13.09.2017</a:t>
+              <a:t>20.04.2021</a:t>
             </a:fld>
             <a:endParaRPr lang="de-DE"/>
           </a:p>
@@ -2139,7 +2143,7 @@
           <a:p>
             <a:fld id="{09B3A486-8BC0-4F15-8591-77BE555F5E45}" type="slidenum">
               <a:rPr lang="de-DE" smtClean="0"/>
-              <a:t>‹Nr.›</a:t>
+              <a:t>‹#›</a:t>
             </a:fld>
             <a:endParaRPr lang="de-DE"/>
           </a:p>
@@ -2200,7 +2204,7 @@
           </a:lstStyle>
           <a:p>
             <a:r>
-              <a:rPr lang="de-DE" smtClean="0"/>
+              <a:rPr lang="de-DE"/>
               <a:t>Titelmasterformat durch Klicken bearbeiten</a:t>
             </a:r>
             <a:endParaRPr lang="en-US" dirty="0"/>
@@ -2265,7 +2269,7 @@
           </a:lstStyle>
           <a:p>
             <a:r>
-              <a:rPr lang="de-DE" smtClean="0"/>
+              <a:rPr lang="de-DE"/>
               <a:t>Bild durch Klicken auf Symbol hinzufügen</a:t>
             </a:r>
             <a:endParaRPr lang="en-US" dirty="0"/>
@@ -2331,7 +2335,7 @@
           <a:p>
             <a:pPr lvl="0"/>
             <a:r>
-              <a:rPr lang="de-DE" smtClean="0"/>
+              <a:rPr lang="de-DE"/>
               <a:t>Textmasterformat bearbeiten</a:t>
             </a:r>
           </a:p>
@@ -2354,7 +2358,7 @@
           <a:p>
             <a:fld id="{300DB245-849F-4AAA-AD3E-676A6FA9CB3B}" type="datetimeFigureOut">
               <a:rPr lang="de-DE" smtClean="0"/>
-              <a:t>13.09.2017</a:t>
+              <a:t>20.04.2021</a:t>
             </a:fld>
             <a:endParaRPr lang="de-DE"/>
           </a:p>
@@ -2396,7 +2400,7 @@
           <a:p>
             <a:fld id="{09B3A486-8BC0-4F15-8591-77BE555F5E45}" type="slidenum">
               <a:rPr lang="de-DE" smtClean="0"/>
-              <a:t>‹Nr.›</a:t>
+              <a:t>‹#›</a:t>
             </a:fld>
             <a:endParaRPr lang="de-DE"/>
           </a:p>
@@ -2463,7 +2467,7 @@
           <a:lstStyle/>
           <a:p>
             <a:r>
-              <a:rPr lang="de-DE" smtClean="0"/>
+              <a:rPr lang="de-DE"/>
               <a:t>Titelmasterformat durch Klicken bearbeiten</a:t>
             </a:r>
             <a:endParaRPr lang="en-US" dirty="0"/>
@@ -2497,35 +2501,35 @@
           <a:p>
             <a:pPr lvl="0"/>
             <a:r>
-              <a:rPr lang="de-DE" smtClean="0"/>
+              <a:rPr lang="de-DE"/>
               <a:t>Textmasterformat bearbeiten</a:t>
             </a:r>
           </a:p>
           <a:p>
             <a:pPr lvl="1"/>
             <a:r>
-              <a:rPr lang="de-DE" smtClean="0"/>
+              <a:rPr lang="de-DE"/>
               <a:t>Zweite Ebene</a:t>
             </a:r>
           </a:p>
           <a:p>
             <a:pPr lvl="2"/>
             <a:r>
-              <a:rPr lang="de-DE" smtClean="0"/>
+              <a:rPr lang="de-DE"/>
               <a:t>Dritte Ebene</a:t>
             </a:r>
           </a:p>
           <a:p>
             <a:pPr lvl="3"/>
             <a:r>
-              <a:rPr lang="de-DE" smtClean="0"/>
+              <a:rPr lang="de-DE"/>
               <a:t>Vierte Ebene</a:t>
             </a:r>
           </a:p>
           <a:p>
             <a:pPr lvl="4"/>
             <a:r>
-              <a:rPr lang="de-DE" smtClean="0"/>
+              <a:rPr lang="de-DE"/>
               <a:t>Fünfte Ebene</a:t>
             </a:r>
             <a:endParaRPr lang="en-US" dirty="0"/>
@@ -2567,7 +2571,7 @@
           <a:p>
             <a:fld id="{300DB245-849F-4AAA-AD3E-676A6FA9CB3B}" type="datetimeFigureOut">
               <a:rPr lang="de-DE" smtClean="0"/>
-              <a:t>13.09.2017</a:t>
+              <a:t>20.04.2021</a:t>
             </a:fld>
             <a:endParaRPr lang="de-DE"/>
           </a:p>
@@ -2645,7 +2649,7 @@
           <a:p>
             <a:fld id="{09B3A486-8BC0-4F15-8591-77BE555F5E45}" type="slidenum">
               <a:rPr lang="de-DE" smtClean="0"/>
-              <a:t>‹Nr.›</a:t>
+              <a:t>‹#›</a:t>
             </a:fld>
             <a:endParaRPr lang="de-DE"/>
           </a:p>
@@ -3047,7 +3051,7 @@
           <a:p>
             <a:pPr algn="ctr"/>
             <a:r>
-              <a:rPr lang="de-DE" sz="3200" smtClean="0">
+              <a:rPr lang="de-DE" sz="3200">
                 <a:solidFill>
                   <a:srgbClr val="FF0000"/>
                 </a:solidFill>
@@ -3102,7 +3106,7 @@
           <a:p>
             <a:pPr algn="ctr"/>
             <a:r>
-              <a:rPr lang="de-DE" sz="3200" smtClean="0">
+              <a:rPr lang="de-DE" sz="3200">
                 <a:solidFill>
                   <a:schemeClr val="accent2"/>
                 </a:solidFill>
@@ -3113,18 +3117,13 @@
           <a:p>
             <a:pPr algn="ctr"/>
             <a:r>
-              <a:rPr lang="de-DE" sz="3200" smtClean="0">
+              <a:rPr lang="de-DE" sz="3200">
                 <a:solidFill>
                   <a:schemeClr val="accent2"/>
                 </a:solidFill>
               </a:rPr>
               <a:t>WORKSPACE</a:t>
             </a:r>
-            <a:endParaRPr lang="de-DE" sz="3200">
-              <a:solidFill>
-                <a:schemeClr val="accent2"/>
-              </a:solidFill>
-            </a:endParaRPr>
           </a:p>
         </p:txBody>
       </p:sp>
@@ -3173,7 +3172,7 @@
           <a:p>
             <a:pPr algn="ctr"/>
             <a:r>
-              <a:rPr lang="de-DE" sz="3200" smtClean="0">
+              <a:rPr lang="de-DE" sz="3200">
                 <a:solidFill>
                   <a:schemeClr val="accent2"/>
                 </a:solidFill>
@@ -3228,7 +3227,7 @@
           <a:p>
             <a:pPr algn="ctr"/>
             <a:r>
-              <a:rPr lang="de-DE" sz="3200" smtClean="0">
+              <a:rPr lang="de-DE" sz="3200">
                 <a:solidFill>
                   <a:schemeClr val="accent2"/>
                 </a:solidFill>
@@ -3283,7 +3282,7 @@
           <a:p>
             <a:pPr algn="ctr"/>
             <a:r>
-              <a:rPr lang="de-DE" sz="3200" smtClean="0">
+              <a:rPr lang="de-DE" sz="3200">
                 <a:solidFill>
                   <a:schemeClr val="accent2"/>
                 </a:solidFill>
@@ -3338,7 +3337,7 @@
           <a:p>
             <a:pPr algn="ctr"/>
             <a:r>
-              <a:rPr lang="de-DE" sz="3200" smtClean="0">
+              <a:rPr lang="de-DE" sz="3200">
                 <a:solidFill>
                   <a:srgbClr val="FF0000"/>
                 </a:solidFill>
@@ -3554,7 +3553,7 @@
           <a:p>
             <a:pPr algn="ctr"/>
             <a:r>
-              <a:rPr lang="de-DE" sz="4800" smtClean="0">
+              <a:rPr lang="de-DE" sz="4800">
                 <a:solidFill>
                   <a:schemeClr val="accent2"/>
                 </a:solidFill>
@@ -3565,18 +3564,13 @@
           <a:p>
             <a:pPr algn="ctr"/>
             <a:r>
-              <a:rPr lang="de-DE" sz="4800" smtClean="0">
+              <a:rPr lang="de-DE" sz="4800">
                 <a:solidFill>
                   <a:schemeClr val="accent2"/>
                 </a:solidFill>
               </a:rPr>
               <a:t>output</a:t>
             </a:r>
-            <a:endParaRPr lang="de-DE" sz="4800" smtClean="0">
-              <a:solidFill>
-                <a:schemeClr val="accent2"/>
-              </a:solidFill>
-            </a:endParaRPr>
           </a:p>
           <a:p>
             <a:pPr algn="ctr"/>
@@ -3586,21 +3580,8 @@
                   <a:schemeClr val="accent2"/>
                 </a:solidFill>
               </a:rPr>
-              <a:t>a</a:t>
-            </a:r>
-            <a:r>
-              <a:rPr lang="de-DE" sz="4800" smtClean="0">
-                <a:solidFill>
-                  <a:schemeClr val="accent2"/>
-                </a:solidFill>
-              </a:rPr>
-              <a:t>nd more</a:t>
-            </a:r>
-            <a:endParaRPr lang="de-DE" sz="4800" smtClean="0">
-              <a:solidFill>
-                <a:schemeClr val="accent2"/>
-              </a:solidFill>
-            </a:endParaRPr>
+              <a:t>and more</a:t>
+            </a:r>
           </a:p>
         </p:txBody>
       </p:sp>
@@ -3651,18 +3632,13 @@
           <a:p>
             <a:pPr algn="ctr"/>
             <a:r>
-              <a:rPr lang="de-DE" sz="4800" smtClean="0">
+              <a:rPr lang="de-DE" sz="4800">
                 <a:solidFill>
                   <a:schemeClr val="accent2"/>
                 </a:solidFill>
               </a:rPr>
               <a:t>The console to the actual R</a:t>
             </a:r>
-            <a:endParaRPr lang="de-DE" sz="4800" smtClean="0">
-              <a:solidFill>
-                <a:schemeClr val="accent2"/>
-              </a:solidFill>
-            </a:endParaRPr>
           </a:p>
         </p:txBody>
       </p:sp>
@@ -3713,7 +3689,7 @@
           <a:p>
             <a:pPr algn="ctr"/>
             <a:r>
-              <a:rPr lang="de-DE" sz="4800" smtClean="0">
+              <a:rPr lang="de-DE" sz="4800">
                 <a:solidFill>
                   <a:schemeClr val="accent2"/>
                 </a:solidFill>
@@ -3724,18 +3700,13 @@
           <a:p>
             <a:pPr algn="ctr"/>
             <a:r>
-              <a:rPr lang="de-DE" sz="4000" smtClean="0">
+              <a:rPr lang="de-DE" sz="4000">
                 <a:solidFill>
                   <a:schemeClr val="accent2"/>
                 </a:solidFill>
               </a:rPr>
               <a:t>(shareable .R files)</a:t>
             </a:r>
-            <a:endParaRPr lang="de-DE" sz="4000" smtClean="0">
-              <a:solidFill>
-                <a:schemeClr val="accent2"/>
-              </a:solidFill>
-            </a:endParaRPr>
           </a:p>
         </p:txBody>
       </p:sp>
@@ -3743,6 +3714,1298 @@
     <p:extLst>
       <p:ext uri="{BB962C8B-B14F-4D97-AF65-F5344CB8AC3E}">
         <p14:creationId xmlns:p14="http://schemas.microsoft.com/office/powerpoint/2010/main" val="3183778018"/>
+      </p:ext>
+    </p:extLst>
+  </p:cSld>
+  <p:clrMapOvr>
+    <a:masterClrMapping/>
+  </p:clrMapOvr>
+</p:sld>
+</file>
+
+<file path=ppt/slides/slide3.xml><?xml version="1.0" encoding="utf-8"?>
+<p:sld xmlns:a="http://schemas.openxmlformats.org/drawingml/2006/main" xmlns:r="http://schemas.openxmlformats.org/officeDocument/2006/relationships" xmlns:p="http://schemas.openxmlformats.org/presentationml/2006/main">
+  <p:cSld>
+    <p:spTree>
+      <p:nvGrpSpPr>
+        <p:cNvPr id="1" name=""/>
+        <p:cNvGrpSpPr/>
+        <p:nvPr/>
+      </p:nvGrpSpPr>
+      <p:grpSpPr>
+        <a:xfrm>
+          <a:off x="0" y="0"/>
+          <a:ext cx="0" cy="0"/>
+          <a:chOff x="0" y="0"/>
+          <a:chExt cx="0" cy="0"/>
+        </a:xfrm>
+      </p:grpSpPr>
+      <p:pic>
+        <p:nvPicPr>
+          <p:cNvPr id="7" name="Grafik 6"/>
+          <p:cNvPicPr>
+            <a:picLocks noChangeAspect="1"/>
+          </p:cNvPicPr>
+          <p:nvPr/>
+        </p:nvPicPr>
+        <p:blipFill>
+          <a:blip r:embed="rId2">
+            <a:extLst>
+              <a:ext uri="{28A0092B-C50C-407E-A947-70E740481C1C}">
+                <a14:useLocalDpi xmlns:a14="http://schemas.microsoft.com/office/drawing/2010/main" val="0"/>
+              </a:ext>
+            </a:extLst>
+          </a:blip>
+          <a:stretch>
+            <a:fillRect/>
+          </a:stretch>
+        </p:blipFill>
+        <p:spPr>
+          <a:xfrm>
+            <a:off x="0" y="0"/>
+            <a:ext cx="9144000" cy="6105808"/>
+          </a:xfrm>
+          <a:prstGeom prst="rect">
+            <a:avLst/>
+          </a:prstGeom>
+          <a:solidFill>
+            <a:schemeClr val="accent3">
+              <a:lumMod val="60000"/>
+              <a:lumOff val="40000"/>
+              <a:alpha val="94000"/>
+            </a:schemeClr>
+          </a:solidFill>
+        </p:spPr>
+      </p:pic>
+      <p:sp>
+        <p:nvSpPr>
+          <p:cNvPr id="17" name="Abgerundetes Rechteck 16"/>
+          <p:cNvSpPr/>
+          <p:nvPr/>
+        </p:nvSpPr>
+        <p:spPr>
+          <a:xfrm>
+            <a:off x="6133412" y="1446510"/>
+            <a:ext cx="1907263" cy="783193"/>
+          </a:xfrm>
+          <a:prstGeom prst="roundRect">
+            <a:avLst/>
+          </a:prstGeom>
+          <a:solidFill>
+            <a:schemeClr val="accent3">
+              <a:lumMod val="60000"/>
+              <a:lumOff val="40000"/>
+              <a:alpha val="94000"/>
+            </a:schemeClr>
+          </a:solidFill>
+          <a:ln>
+            <a:noFill/>
+          </a:ln>
+        </p:spPr>
+        <p:style>
+          <a:lnRef idx="2">
+            <a:schemeClr val="accent1">
+              <a:shade val="50000"/>
+            </a:schemeClr>
+          </a:lnRef>
+          <a:fillRef idx="1">
+            <a:schemeClr val="accent1"/>
+          </a:fillRef>
+          <a:effectRef idx="0">
+            <a:schemeClr val="accent1"/>
+          </a:effectRef>
+          <a:fontRef idx="minor">
+            <a:schemeClr val="lt1"/>
+          </a:fontRef>
+        </p:style>
+        <p:txBody>
+          <a:bodyPr wrap="square" rtlCol="0" anchor="ctr">
+            <a:spAutoFit/>
+          </a:bodyPr>
+          <a:lstStyle/>
+          <a:p>
+            <a:pPr algn="ctr"/>
+            <a:r>
+              <a:rPr lang="de-DE" sz="4000">
+                <a:solidFill>
+                  <a:schemeClr val="accent2"/>
+                </a:solidFill>
+              </a:rPr>
+              <a:t>Objekte</a:t>
+            </a:r>
+          </a:p>
+        </p:txBody>
+      </p:sp>
+      <p:sp>
+        <p:nvSpPr>
+          <p:cNvPr id="18" name="Abgerundetes Rechteck 17"/>
+          <p:cNvSpPr/>
+          <p:nvPr/>
+        </p:nvSpPr>
+        <p:spPr>
+          <a:xfrm>
+            <a:off x="528033" y="4235911"/>
+            <a:ext cx="3734129" cy="1464231"/>
+          </a:xfrm>
+          <a:prstGeom prst="roundRect">
+            <a:avLst/>
+          </a:prstGeom>
+          <a:solidFill>
+            <a:schemeClr val="accent3">
+              <a:lumMod val="60000"/>
+              <a:lumOff val="40000"/>
+              <a:alpha val="94000"/>
+            </a:schemeClr>
+          </a:solidFill>
+          <a:ln>
+            <a:noFill/>
+          </a:ln>
+        </p:spPr>
+        <p:style>
+          <a:lnRef idx="2">
+            <a:schemeClr val="accent1">
+              <a:shade val="50000"/>
+            </a:schemeClr>
+          </a:lnRef>
+          <a:fillRef idx="1">
+            <a:schemeClr val="accent1"/>
+          </a:fillRef>
+          <a:effectRef idx="0">
+            <a:schemeClr val="accent1"/>
+          </a:effectRef>
+          <a:fontRef idx="minor">
+            <a:schemeClr val="lt1"/>
+          </a:fontRef>
+        </p:style>
+        <p:txBody>
+          <a:bodyPr wrap="square" rtlCol="0" anchor="ctr">
+            <a:spAutoFit/>
+          </a:bodyPr>
+          <a:lstStyle/>
+          <a:p>
+            <a:pPr algn="ctr"/>
+            <a:r>
+              <a:rPr lang="de-DE" sz="4000">
+                <a:solidFill>
+                  <a:schemeClr val="accent2"/>
+                </a:solidFill>
+              </a:rPr>
+              <a:t>Die Konsole zum tatsächlichen R</a:t>
+            </a:r>
+          </a:p>
+        </p:txBody>
+      </p:sp>
+      <p:sp>
+        <p:nvSpPr>
+          <p:cNvPr id="20" name="Abgerundetes Rechteck 19"/>
+          <p:cNvSpPr/>
+          <p:nvPr/>
+        </p:nvSpPr>
+        <p:spPr>
+          <a:xfrm>
+            <a:off x="852670" y="1392899"/>
+            <a:ext cx="2767145" cy="1464231"/>
+          </a:xfrm>
+          <a:prstGeom prst="roundRect">
+            <a:avLst/>
+          </a:prstGeom>
+          <a:solidFill>
+            <a:schemeClr val="accent3">
+              <a:lumMod val="60000"/>
+              <a:lumOff val="40000"/>
+              <a:alpha val="94000"/>
+            </a:schemeClr>
+          </a:solidFill>
+          <a:ln>
+            <a:noFill/>
+          </a:ln>
+        </p:spPr>
+        <p:style>
+          <a:lnRef idx="2">
+            <a:schemeClr val="accent1">
+              <a:shade val="50000"/>
+            </a:schemeClr>
+          </a:lnRef>
+          <a:fillRef idx="1">
+            <a:schemeClr val="accent1"/>
+          </a:fillRef>
+          <a:effectRef idx="0">
+            <a:schemeClr val="accent1"/>
+          </a:effectRef>
+          <a:fontRef idx="minor">
+            <a:schemeClr val="lt1"/>
+          </a:fontRef>
+        </p:style>
+        <p:txBody>
+          <a:bodyPr wrap="square" rtlCol="0" anchor="ctr">
+            <a:spAutoFit/>
+          </a:bodyPr>
+          <a:lstStyle/>
+          <a:p>
+            <a:pPr algn="ctr"/>
+            <a:r>
+              <a:rPr lang="de-DE" sz="4000">
+                <a:solidFill>
+                  <a:schemeClr val="accent2"/>
+                </a:solidFill>
+              </a:rPr>
+              <a:t>Skripte</a:t>
+            </a:r>
+          </a:p>
+          <a:p>
+            <a:pPr algn="ctr"/>
+            <a:r>
+              <a:rPr lang="de-DE" sz="4000">
+                <a:solidFill>
+                  <a:schemeClr val="accent2"/>
+                </a:solidFill>
+              </a:rPr>
+              <a:t>(.R Dateien)</a:t>
+            </a:r>
+          </a:p>
+        </p:txBody>
+      </p:sp>
+      <p:sp>
+        <p:nvSpPr>
+          <p:cNvPr id="6" name="Abgerundetes Rechteck 16">
+            <a:extLst>
+              <a:ext uri="{FF2B5EF4-FFF2-40B4-BE49-F238E27FC236}">
+                <a16:creationId xmlns:a16="http://schemas.microsoft.com/office/drawing/2014/main" id="{1ACD9C3F-B160-41A4-A3CD-CECFE105169F}"/>
+              </a:ext>
+            </a:extLst>
+          </p:cNvPr>
+          <p:cNvSpPr/>
+          <p:nvPr/>
+        </p:nvSpPr>
+        <p:spPr>
+          <a:xfrm>
+            <a:off x="6353826" y="4235911"/>
+            <a:ext cx="2019358" cy="783193"/>
+          </a:xfrm>
+          <a:prstGeom prst="roundRect">
+            <a:avLst/>
+          </a:prstGeom>
+          <a:solidFill>
+            <a:schemeClr val="accent3">
+              <a:lumMod val="60000"/>
+              <a:lumOff val="40000"/>
+              <a:alpha val="94000"/>
+            </a:schemeClr>
+          </a:solidFill>
+          <a:ln>
+            <a:noFill/>
+          </a:ln>
+        </p:spPr>
+        <p:style>
+          <a:lnRef idx="2">
+            <a:schemeClr val="accent1">
+              <a:shade val="50000"/>
+            </a:schemeClr>
+          </a:lnRef>
+          <a:fillRef idx="1">
+            <a:schemeClr val="accent1"/>
+          </a:fillRef>
+          <a:effectRef idx="0">
+            <a:schemeClr val="accent1"/>
+          </a:effectRef>
+          <a:fontRef idx="minor">
+            <a:schemeClr val="lt1"/>
+          </a:fontRef>
+        </p:style>
+        <p:txBody>
+          <a:bodyPr wrap="square" rtlCol="0" anchor="ctr">
+            <a:spAutoFit/>
+          </a:bodyPr>
+          <a:lstStyle/>
+          <a:p>
+            <a:pPr algn="ctr"/>
+            <a:r>
+              <a:rPr lang="de-DE" sz="4000">
+                <a:solidFill>
+                  <a:schemeClr val="accent2"/>
+                </a:solidFill>
+              </a:rPr>
+              <a:t>Grafiken</a:t>
+            </a:r>
+          </a:p>
+        </p:txBody>
+      </p:sp>
+    </p:spTree>
+    <p:extLst>
+      <p:ext uri="{BB962C8B-B14F-4D97-AF65-F5344CB8AC3E}">
+        <p14:creationId xmlns:p14="http://schemas.microsoft.com/office/powerpoint/2010/main" val="1377597092"/>
+      </p:ext>
+    </p:extLst>
+  </p:cSld>
+  <p:clrMapOvr>
+    <a:masterClrMapping/>
+  </p:clrMapOvr>
+</p:sld>
+</file>
+
+<file path=ppt/slides/slide4.xml><?xml version="1.0" encoding="utf-8"?>
+<p:sld xmlns:a="http://schemas.openxmlformats.org/drawingml/2006/main" xmlns:r="http://schemas.openxmlformats.org/officeDocument/2006/relationships" xmlns:p="http://schemas.openxmlformats.org/presentationml/2006/main">
+  <p:cSld>
+    <p:spTree>
+      <p:nvGrpSpPr>
+        <p:cNvPr id="1" name=""/>
+        <p:cNvGrpSpPr/>
+        <p:nvPr/>
+      </p:nvGrpSpPr>
+      <p:grpSpPr>
+        <a:xfrm>
+          <a:off x="0" y="0"/>
+          <a:ext cx="0" cy="0"/>
+          <a:chOff x="0" y="0"/>
+          <a:chExt cx="0" cy="0"/>
+        </a:xfrm>
+      </p:grpSpPr>
+      <p:pic>
+        <p:nvPicPr>
+          <p:cNvPr id="7" name="Grafik 6"/>
+          <p:cNvPicPr>
+            <a:picLocks noChangeAspect="1"/>
+          </p:cNvPicPr>
+          <p:nvPr/>
+        </p:nvPicPr>
+        <p:blipFill>
+          <a:blip r:embed="rId2">
+            <a:extLst>
+              <a:ext uri="{28A0092B-C50C-407E-A947-70E740481C1C}">
+                <a14:useLocalDpi xmlns:a14="http://schemas.microsoft.com/office/drawing/2010/main" val="0"/>
+              </a:ext>
+            </a:extLst>
+          </a:blip>
+          <a:stretch>
+            <a:fillRect/>
+          </a:stretch>
+        </p:blipFill>
+        <p:spPr>
+          <a:xfrm>
+            <a:off x="0" y="0"/>
+            <a:ext cx="9144000" cy="6105808"/>
+          </a:xfrm>
+          <a:prstGeom prst="rect">
+            <a:avLst/>
+          </a:prstGeom>
+        </p:spPr>
+      </p:pic>
+      <p:sp>
+        <p:nvSpPr>
+          <p:cNvPr id="15" name="Abgerundetes Rechteck 14"/>
+          <p:cNvSpPr/>
+          <p:nvPr/>
+        </p:nvSpPr>
+        <p:spPr>
+          <a:xfrm>
+            <a:off x="5324168" y="3014802"/>
+            <a:ext cx="2920546" cy="1191816"/>
+          </a:xfrm>
+          <a:prstGeom prst="roundRect">
+            <a:avLst/>
+          </a:prstGeom>
+          <a:solidFill>
+            <a:schemeClr val="bg2">
+              <a:alpha val="91000"/>
+            </a:schemeClr>
+          </a:solidFill>
+          <a:ln>
+            <a:noFill/>
+          </a:ln>
+        </p:spPr>
+        <p:style>
+          <a:lnRef idx="2">
+            <a:schemeClr val="accent1">
+              <a:shade val="50000"/>
+            </a:schemeClr>
+          </a:lnRef>
+          <a:fillRef idx="1">
+            <a:schemeClr val="accent1"/>
+          </a:fillRef>
+          <a:effectRef idx="0">
+            <a:schemeClr val="accent1"/>
+          </a:effectRef>
+          <a:fontRef idx="minor">
+            <a:schemeClr val="lt1"/>
+          </a:fontRef>
+        </p:style>
+        <p:txBody>
+          <a:bodyPr wrap="square" rtlCol="0" anchor="ctr">
+            <a:spAutoFit/>
+          </a:bodyPr>
+          <a:lstStyle/>
+          <a:p>
+            <a:pPr algn="ctr"/>
+            <a:r>
+              <a:rPr lang="de-DE" sz="3200">
+                <a:solidFill>
+                  <a:srgbClr val="FF0000"/>
+                </a:solidFill>
+              </a:rPr>
+              <a:t>Dokumentation aufrufen</a:t>
+            </a:r>
+          </a:p>
+        </p:txBody>
+      </p:sp>
+      <p:sp>
+        <p:nvSpPr>
+          <p:cNvPr id="18" name="Abgerundetes Rechteck 17"/>
+          <p:cNvSpPr/>
+          <p:nvPr/>
+        </p:nvSpPr>
+        <p:spPr>
+          <a:xfrm>
+            <a:off x="138016" y="4804309"/>
+            <a:ext cx="4633143" cy="1191816"/>
+          </a:xfrm>
+          <a:prstGeom prst="roundRect">
+            <a:avLst/>
+          </a:prstGeom>
+          <a:solidFill>
+            <a:schemeClr val="bg2">
+              <a:alpha val="91000"/>
+            </a:schemeClr>
+          </a:solidFill>
+          <a:ln>
+            <a:noFill/>
+          </a:ln>
+        </p:spPr>
+        <p:style>
+          <a:lnRef idx="2">
+            <a:schemeClr val="accent1">
+              <a:shade val="50000"/>
+            </a:schemeClr>
+          </a:lnRef>
+          <a:fillRef idx="1">
+            <a:schemeClr val="accent1"/>
+          </a:fillRef>
+          <a:effectRef idx="0">
+            <a:schemeClr val="accent1"/>
+          </a:effectRef>
+          <a:fontRef idx="minor">
+            <a:schemeClr val="lt1"/>
+          </a:fontRef>
+        </p:style>
+        <p:txBody>
+          <a:bodyPr wrap="square" rtlCol="0" anchor="ctr">
+            <a:spAutoFit/>
+          </a:bodyPr>
+          <a:lstStyle/>
+          <a:p>
+            <a:pPr algn="ctr"/>
+            <a:r>
+              <a:rPr lang="de-DE" sz="3200">
+                <a:solidFill>
+                  <a:schemeClr val="accent2"/>
+                </a:solidFill>
+              </a:rPr>
+              <a:t>Code wird hier ausgeführt + Ergebnisse angezeigt</a:t>
+            </a:r>
+          </a:p>
+        </p:txBody>
+      </p:sp>
+      <p:sp>
+        <p:nvSpPr>
+          <p:cNvPr id="21" name="Abgerundetes Rechteck 20"/>
+          <p:cNvSpPr/>
+          <p:nvPr/>
+        </p:nvSpPr>
+        <p:spPr>
+          <a:xfrm>
+            <a:off x="309839" y="997382"/>
+            <a:ext cx="5297473" cy="1736646"/>
+          </a:xfrm>
+          <a:prstGeom prst="roundRect">
+            <a:avLst/>
+          </a:prstGeom>
+          <a:solidFill>
+            <a:schemeClr val="bg2">
+              <a:alpha val="91000"/>
+            </a:schemeClr>
+          </a:solidFill>
+          <a:ln>
+            <a:noFill/>
+          </a:ln>
+        </p:spPr>
+        <p:style>
+          <a:lnRef idx="2">
+            <a:schemeClr val="accent1">
+              <a:shade val="50000"/>
+            </a:schemeClr>
+          </a:lnRef>
+          <a:fillRef idx="1">
+            <a:schemeClr val="accent1"/>
+          </a:fillRef>
+          <a:effectRef idx="0">
+            <a:schemeClr val="accent1"/>
+          </a:effectRef>
+          <a:fontRef idx="minor">
+            <a:schemeClr val="lt1"/>
+          </a:fontRef>
+        </p:style>
+        <p:txBody>
+          <a:bodyPr wrap="square" rtlCol="0" anchor="ctr">
+            <a:spAutoFit/>
+          </a:bodyPr>
+          <a:lstStyle/>
+          <a:p>
+            <a:pPr algn="ctr"/>
+            <a:r>
+              <a:rPr lang="de-DE" sz="3200">
+                <a:solidFill>
+                  <a:srgbClr val="FF0000"/>
+                </a:solidFill>
+              </a:rPr>
+              <a:t>Code an R schicken:</a:t>
+            </a:r>
+          </a:p>
+          <a:p>
+            <a:pPr algn="ctr"/>
+            <a:r>
+              <a:rPr lang="de-DE" sz="3200">
+                <a:solidFill>
+                  <a:srgbClr val="FF0000"/>
+                </a:solidFill>
+              </a:rPr>
+              <a:t>STRG + Enter: Auswahl / Zeile</a:t>
+            </a:r>
+          </a:p>
+          <a:p>
+            <a:pPr algn="ctr"/>
+            <a:r>
+              <a:rPr lang="de-DE" sz="3200">
+                <a:solidFill>
+                  <a:srgbClr val="FF0000"/>
+                </a:solidFill>
+              </a:rPr>
+              <a:t>STRG + Shift + S: ganzes Skript</a:t>
+            </a:r>
+          </a:p>
+        </p:txBody>
+      </p:sp>
+      <p:sp>
+        <p:nvSpPr>
+          <p:cNvPr id="22" name="Ellipse 21"/>
+          <p:cNvSpPr/>
+          <p:nvPr/>
+        </p:nvSpPr>
+        <p:spPr>
+          <a:xfrm>
+            <a:off x="3219363" y="719596"/>
+            <a:ext cx="1483783" cy="285496"/>
+          </a:xfrm>
+          <a:prstGeom prst="ellipse">
+            <a:avLst/>
+          </a:prstGeom>
+          <a:noFill/>
+          <a:ln w="38100">
+            <a:solidFill>
+              <a:srgbClr val="FF0000"/>
+            </a:solidFill>
+          </a:ln>
+        </p:spPr>
+        <p:style>
+          <a:lnRef idx="2">
+            <a:schemeClr val="accent1">
+              <a:shade val="50000"/>
+            </a:schemeClr>
+          </a:lnRef>
+          <a:fillRef idx="1">
+            <a:schemeClr val="accent1"/>
+          </a:fillRef>
+          <a:effectRef idx="0">
+            <a:schemeClr val="accent1"/>
+          </a:effectRef>
+          <a:fontRef idx="minor">
+            <a:schemeClr val="lt1"/>
+          </a:fontRef>
+        </p:style>
+        <p:txBody>
+          <a:bodyPr rtlCol="0" anchor="ctr"/>
+          <a:lstStyle/>
+          <a:p>
+            <a:pPr algn="ctr"/>
+            <a:endParaRPr lang="de-DE"/>
+          </a:p>
+        </p:txBody>
+      </p:sp>
+      <p:sp>
+        <p:nvSpPr>
+          <p:cNvPr id="23" name="Ellipse 22"/>
+          <p:cNvSpPr/>
+          <p:nvPr/>
+        </p:nvSpPr>
+        <p:spPr>
+          <a:xfrm>
+            <a:off x="5973739" y="2520738"/>
+            <a:ext cx="592112" cy="285496"/>
+          </a:xfrm>
+          <a:prstGeom prst="ellipse">
+            <a:avLst/>
+          </a:prstGeom>
+          <a:noFill/>
+          <a:ln w="38100">
+            <a:solidFill>
+              <a:srgbClr val="FF0000"/>
+            </a:solidFill>
+          </a:ln>
+        </p:spPr>
+        <p:style>
+          <a:lnRef idx="2">
+            <a:schemeClr val="accent1">
+              <a:shade val="50000"/>
+            </a:schemeClr>
+          </a:lnRef>
+          <a:fillRef idx="1">
+            <a:schemeClr val="accent1"/>
+          </a:fillRef>
+          <a:effectRef idx="0">
+            <a:schemeClr val="accent1"/>
+          </a:effectRef>
+          <a:fontRef idx="minor">
+            <a:schemeClr val="lt1"/>
+          </a:fontRef>
+        </p:style>
+        <p:txBody>
+          <a:bodyPr rtlCol="0" anchor="ctr"/>
+          <a:lstStyle/>
+          <a:p>
+            <a:pPr algn="ctr"/>
+            <a:endParaRPr lang="de-DE"/>
+          </a:p>
+        </p:txBody>
+      </p:sp>
+      <p:sp>
+        <p:nvSpPr>
+          <p:cNvPr id="11" name="Abgerundetes Rechteck 20">
+            <a:extLst>
+              <a:ext uri="{FF2B5EF4-FFF2-40B4-BE49-F238E27FC236}">
+                <a16:creationId xmlns:a16="http://schemas.microsoft.com/office/drawing/2014/main" id="{FA9EBBDA-8EAC-42D7-B435-F64B822ECEB9}"/>
+              </a:ext>
+            </a:extLst>
+          </p:cNvPr>
+          <p:cNvSpPr/>
+          <p:nvPr/>
+        </p:nvSpPr>
+        <p:spPr>
+          <a:xfrm>
+            <a:off x="991274" y="3080876"/>
+            <a:ext cx="3121050" cy="1532334"/>
+          </a:xfrm>
+          <a:prstGeom prst="roundRect">
+            <a:avLst/>
+          </a:prstGeom>
+          <a:solidFill>
+            <a:schemeClr val="bg2">
+              <a:alpha val="91000"/>
+            </a:schemeClr>
+          </a:solidFill>
+          <a:ln>
+            <a:noFill/>
+          </a:ln>
+        </p:spPr>
+        <p:style>
+          <a:lnRef idx="2">
+            <a:schemeClr val="accent1">
+              <a:shade val="50000"/>
+            </a:schemeClr>
+          </a:lnRef>
+          <a:fillRef idx="1">
+            <a:schemeClr val="accent1"/>
+          </a:fillRef>
+          <a:effectRef idx="0">
+            <a:schemeClr val="accent1"/>
+          </a:effectRef>
+          <a:fontRef idx="minor">
+            <a:schemeClr val="lt1"/>
+          </a:fontRef>
+        </p:style>
+        <p:txBody>
+          <a:bodyPr wrap="square" rtlCol="0" anchor="ctr">
+            <a:spAutoFit/>
+          </a:bodyPr>
+          <a:lstStyle/>
+          <a:p>
+            <a:pPr algn="ctr"/>
+            <a:r>
+              <a:rPr lang="de-DE" sz="3200">
+                <a:solidFill>
+                  <a:srgbClr val="00B0F0"/>
+                </a:solidFill>
+              </a:rPr>
+              <a:t>länger behalten</a:t>
+            </a:r>
+          </a:p>
+          <a:p>
+            <a:pPr algn="ctr"/>
+            <a:r>
+              <a:rPr lang="de-DE">
+                <a:solidFill>
+                  <a:schemeClr val="bg1">
+                    <a:lumMod val="65000"/>
+                  </a:schemeClr>
+                </a:solidFill>
+              </a:rPr>
+              <a:t>--------------</a:t>
+            </a:r>
+          </a:p>
+          <a:p>
+            <a:pPr algn="ctr"/>
+            <a:r>
+              <a:rPr lang="de-DE" sz="3200">
+                <a:solidFill>
+                  <a:srgbClr val="00B0F0"/>
+                </a:solidFill>
+              </a:rPr>
+              <a:t>kurz was prüfen</a:t>
+            </a:r>
+          </a:p>
+        </p:txBody>
+      </p:sp>
+    </p:spTree>
+    <p:extLst>
+      <p:ext uri="{BB962C8B-B14F-4D97-AF65-F5344CB8AC3E}">
+        <p14:creationId xmlns:p14="http://schemas.microsoft.com/office/powerpoint/2010/main" val="2808769550"/>
+      </p:ext>
+    </p:extLst>
+  </p:cSld>
+  <p:clrMapOvr>
+    <a:masterClrMapping/>
+  </p:clrMapOvr>
+</p:sld>
+</file>
+
+<file path=ppt/slides/slide5.xml><?xml version="1.0" encoding="utf-8"?>
+<p:sld xmlns:a="http://schemas.openxmlformats.org/drawingml/2006/main" xmlns:r="http://schemas.openxmlformats.org/officeDocument/2006/relationships" xmlns:p="http://schemas.openxmlformats.org/presentationml/2006/main">
+  <p:cSld>
+    <p:spTree>
+      <p:nvGrpSpPr>
+        <p:cNvPr id="1" name=""/>
+        <p:cNvGrpSpPr/>
+        <p:nvPr/>
+      </p:nvGrpSpPr>
+      <p:grpSpPr>
+        <a:xfrm>
+          <a:off x="0" y="0"/>
+          <a:ext cx="0" cy="0"/>
+          <a:chOff x="0" y="0"/>
+          <a:chExt cx="0" cy="0"/>
+        </a:xfrm>
+      </p:grpSpPr>
+      <p:pic>
+        <p:nvPicPr>
+          <p:cNvPr id="5" name="Picture 4" descr="A screenshot of a computer&#10;&#10;Description automatically generated with medium confidence">
+            <a:extLst>
+              <a:ext uri="{FF2B5EF4-FFF2-40B4-BE49-F238E27FC236}">
+                <a16:creationId xmlns:a16="http://schemas.microsoft.com/office/drawing/2014/main" id="{3317598E-1923-4FB4-87C1-82ABCD13C716}"/>
+              </a:ext>
+            </a:extLst>
+          </p:cNvPr>
+          <p:cNvPicPr>
+            <a:picLocks noChangeAspect="1"/>
+          </p:cNvPicPr>
+          <p:nvPr/>
+        </p:nvPicPr>
+        <p:blipFill>
+          <a:blip r:embed="rId2">
+            <a:extLst>
+              <a:ext uri="{28A0092B-C50C-407E-A947-70E740481C1C}">
+                <a14:useLocalDpi xmlns:a14="http://schemas.microsoft.com/office/drawing/2010/main" val="0"/>
+              </a:ext>
+            </a:extLst>
+          </a:blip>
+          <a:stretch>
+            <a:fillRect/>
+          </a:stretch>
+        </p:blipFill>
+        <p:spPr>
+          <a:xfrm>
+            <a:off x="123614" y="0"/>
+            <a:ext cx="8896772" cy="6119813"/>
+          </a:xfrm>
+          <a:prstGeom prst="rect">
+            <a:avLst/>
+          </a:prstGeom>
+        </p:spPr>
+      </p:pic>
+      <p:sp>
+        <p:nvSpPr>
+          <p:cNvPr id="6" name="Ellipse 21">
+            <a:extLst>
+              <a:ext uri="{FF2B5EF4-FFF2-40B4-BE49-F238E27FC236}">
+                <a16:creationId xmlns:a16="http://schemas.microsoft.com/office/drawing/2014/main" id="{ECD1385E-8587-4419-A656-EFE10D210962}"/>
+              </a:ext>
+            </a:extLst>
+          </p:cNvPr>
+          <p:cNvSpPr/>
+          <p:nvPr/>
+        </p:nvSpPr>
+        <p:spPr>
+          <a:xfrm>
+            <a:off x="641263" y="109996"/>
+            <a:ext cx="1483783" cy="285496"/>
+          </a:xfrm>
+          <a:prstGeom prst="ellipse">
+            <a:avLst/>
+          </a:prstGeom>
+          <a:noFill/>
+          <a:ln w="38100">
+            <a:solidFill>
+              <a:srgbClr val="FF0000"/>
+            </a:solidFill>
+          </a:ln>
+        </p:spPr>
+        <p:style>
+          <a:lnRef idx="2">
+            <a:schemeClr val="accent1">
+              <a:shade val="50000"/>
+            </a:schemeClr>
+          </a:lnRef>
+          <a:fillRef idx="1">
+            <a:schemeClr val="accent1"/>
+          </a:fillRef>
+          <a:effectRef idx="0">
+            <a:schemeClr val="accent1"/>
+          </a:effectRef>
+          <a:fontRef idx="minor">
+            <a:schemeClr val="lt1"/>
+          </a:fontRef>
+        </p:style>
+        <p:txBody>
+          <a:bodyPr rtlCol="0" anchor="ctr"/>
+          <a:lstStyle/>
+          <a:p>
+            <a:pPr algn="ctr"/>
+            <a:endParaRPr lang="de-DE"/>
+          </a:p>
+        </p:txBody>
+      </p:sp>
+      <p:sp>
+        <p:nvSpPr>
+          <p:cNvPr id="7" name="Ellipse 21">
+            <a:extLst>
+              <a:ext uri="{FF2B5EF4-FFF2-40B4-BE49-F238E27FC236}">
+                <a16:creationId xmlns:a16="http://schemas.microsoft.com/office/drawing/2014/main" id="{BCCB3055-6EFF-4B4B-9EFE-8D99D965F200}"/>
+              </a:ext>
+            </a:extLst>
+          </p:cNvPr>
+          <p:cNvSpPr/>
+          <p:nvPr/>
+        </p:nvSpPr>
+        <p:spPr>
+          <a:xfrm>
+            <a:off x="876301" y="719596"/>
+            <a:ext cx="3826846" cy="575804"/>
+          </a:xfrm>
+          <a:prstGeom prst="ellipse">
+            <a:avLst/>
+          </a:prstGeom>
+          <a:noFill/>
+          <a:ln w="38100">
+            <a:solidFill>
+              <a:srgbClr val="FF0000"/>
+            </a:solidFill>
+          </a:ln>
+        </p:spPr>
+        <p:style>
+          <a:lnRef idx="2">
+            <a:schemeClr val="accent1">
+              <a:shade val="50000"/>
+            </a:schemeClr>
+          </a:lnRef>
+          <a:fillRef idx="1">
+            <a:schemeClr val="accent1"/>
+          </a:fillRef>
+          <a:effectRef idx="0">
+            <a:schemeClr val="accent1"/>
+          </a:effectRef>
+          <a:fontRef idx="minor">
+            <a:schemeClr val="lt1"/>
+          </a:fontRef>
+        </p:style>
+        <p:txBody>
+          <a:bodyPr rtlCol="0" anchor="ctr"/>
+          <a:lstStyle/>
+          <a:p>
+            <a:pPr algn="ctr"/>
+            <a:endParaRPr lang="de-DE"/>
+          </a:p>
+        </p:txBody>
+      </p:sp>
+    </p:spTree>
+    <p:extLst>
+      <p:ext uri="{BB962C8B-B14F-4D97-AF65-F5344CB8AC3E}">
+        <p14:creationId xmlns:p14="http://schemas.microsoft.com/office/powerpoint/2010/main" val="1263001743"/>
+      </p:ext>
+    </p:extLst>
+  </p:cSld>
+  <p:clrMapOvr>
+    <a:masterClrMapping/>
+  </p:clrMapOvr>
+</p:sld>
+</file>
+
+<file path=ppt/slides/slide6.xml><?xml version="1.0" encoding="utf-8"?>
+<p:sld xmlns:a="http://schemas.openxmlformats.org/drawingml/2006/main" xmlns:r="http://schemas.openxmlformats.org/officeDocument/2006/relationships" xmlns:p="http://schemas.openxmlformats.org/presentationml/2006/main">
+  <p:cSld>
+    <p:spTree>
+      <p:nvGrpSpPr>
+        <p:cNvPr id="1" name=""/>
+        <p:cNvGrpSpPr/>
+        <p:nvPr/>
+      </p:nvGrpSpPr>
+      <p:grpSpPr>
+        <a:xfrm>
+          <a:off x="0" y="0"/>
+          <a:ext cx="0" cy="0"/>
+          <a:chOff x="0" y="0"/>
+          <a:chExt cx="0" cy="0"/>
+        </a:xfrm>
+      </p:grpSpPr>
+      <p:pic>
+        <p:nvPicPr>
+          <p:cNvPr id="17" name="Picture 16">
+            <a:extLst>
+              <a:ext uri="{FF2B5EF4-FFF2-40B4-BE49-F238E27FC236}">
+                <a16:creationId xmlns:a16="http://schemas.microsoft.com/office/drawing/2014/main" id="{30AE3310-554F-405B-93CF-B56241C505A8}"/>
+              </a:ext>
+            </a:extLst>
+          </p:cNvPr>
+          <p:cNvPicPr>
+            <a:picLocks noChangeAspect="1"/>
+          </p:cNvPicPr>
+          <p:nvPr/>
+        </p:nvPicPr>
+        <p:blipFill>
+          <a:blip r:embed="rId2"/>
+          <a:stretch>
+            <a:fillRect/>
+          </a:stretch>
+        </p:blipFill>
+        <p:spPr>
+          <a:xfrm>
+            <a:off x="308166" y="200678"/>
+            <a:ext cx="3976751" cy="1704322"/>
+          </a:xfrm>
+          <a:prstGeom prst="rect">
+            <a:avLst/>
+          </a:prstGeom>
+        </p:spPr>
+      </p:pic>
+      <p:sp>
+        <p:nvSpPr>
+          <p:cNvPr id="6" name="Ellipse 21">
+            <a:extLst>
+              <a:ext uri="{FF2B5EF4-FFF2-40B4-BE49-F238E27FC236}">
+                <a16:creationId xmlns:a16="http://schemas.microsoft.com/office/drawing/2014/main" id="{97DECD2B-2BA2-4320-AB8D-A716CFCF87FC}"/>
+              </a:ext>
+            </a:extLst>
+          </p:cNvPr>
+          <p:cNvSpPr/>
+          <p:nvPr/>
+        </p:nvSpPr>
+        <p:spPr>
+          <a:xfrm>
+            <a:off x="36954" y="392172"/>
+            <a:ext cx="1017146" cy="547628"/>
+          </a:xfrm>
+          <a:prstGeom prst="ellipse">
+            <a:avLst/>
+          </a:prstGeom>
+          <a:noFill/>
+          <a:ln w="38100">
+            <a:solidFill>
+              <a:srgbClr val="FF0000"/>
+            </a:solidFill>
+          </a:ln>
+        </p:spPr>
+        <p:style>
+          <a:lnRef idx="2">
+            <a:schemeClr val="accent1">
+              <a:shade val="50000"/>
+            </a:schemeClr>
+          </a:lnRef>
+          <a:fillRef idx="1">
+            <a:schemeClr val="accent1"/>
+          </a:fillRef>
+          <a:effectRef idx="0">
+            <a:schemeClr val="accent1"/>
+          </a:effectRef>
+          <a:fontRef idx="minor">
+            <a:schemeClr val="lt1"/>
+          </a:fontRef>
+        </p:style>
+        <p:txBody>
+          <a:bodyPr rtlCol="0" anchor="ctr"/>
+          <a:lstStyle/>
+          <a:p>
+            <a:pPr algn="ctr"/>
+            <a:endParaRPr lang="de-DE"/>
+          </a:p>
+        </p:txBody>
+      </p:sp>
+      <p:sp>
+        <p:nvSpPr>
+          <p:cNvPr id="7" name="Ellipse 21">
+            <a:extLst>
+              <a:ext uri="{FF2B5EF4-FFF2-40B4-BE49-F238E27FC236}">
+                <a16:creationId xmlns:a16="http://schemas.microsoft.com/office/drawing/2014/main" id="{7C4EABA8-16BE-440C-A069-746E7F9ACD31}"/>
+              </a:ext>
+            </a:extLst>
+          </p:cNvPr>
+          <p:cNvSpPr/>
+          <p:nvPr/>
+        </p:nvSpPr>
+        <p:spPr>
+          <a:xfrm>
+            <a:off x="176654" y="1052838"/>
+            <a:ext cx="1652146" cy="407661"/>
+          </a:xfrm>
+          <a:prstGeom prst="ellipse">
+            <a:avLst/>
+          </a:prstGeom>
+          <a:noFill/>
+          <a:ln w="38100">
+            <a:solidFill>
+              <a:srgbClr val="FF0000"/>
+            </a:solidFill>
+          </a:ln>
+        </p:spPr>
+        <p:style>
+          <a:lnRef idx="2">
+            <a:schemeClr val="accent1">
+              <a:shade val="50000"/>
+            </a:schemeClr>
+          </a:lnRef>
+          <a:fillRef idx="1">
+            <a:schemeClr val="accent1"/>
+          </a:fillRef>
+          <a:effectRef idx="0">
+            <a:schemeClr val="accent1"/>
+          </a:effectRef>
+          <a:fontRef idx="minor">
+            <a:schemeClr val="lt1"/>
+          </a:fontRef>
+        </p:style>
+        <p:txBody>
+          <a:bodyPr rtlCol="0" anchor="ctr"/>
+          <a:lstStyle/>
+          <a:p>
+            <a:pPr algn="ctr"/>
+            <a:endParaRPr lang="de-DE"/>
+          </a:p>
+        </p:txBody>
+      </p:sp>
+      <p:pic>
+        <p:nvPicPr>
+          <p:cNvPr id="11" name="Picture 10">
+            <a:extLst>
+              <a:ext uri="{FF2B5EF4-FFF2-40B4-BE49-F238E27FC236}">
+                <a16:creationId xmlns:a16="http://schemas.microsoft.com/office/drawing/2014/main" id="{321554C6-585E-4A91-9A80-17E8DA03F2D7}"/>
+              </a:ext>
+            </a:extLst>
+          </p:cNvPr>
+          <p:cNvPicPr>
+            <a:picLocks noChangeAspect="1"/>
+          </p:cNvPicPr>
+          <p:nvPr/>
+        </p:nvPicPr>
+        <p:blipFill>
+          <a:blip r:embed="rId3"/>
+          <a:stretch>
+            <a:fillRect/>
+          </a:stretch>
+        </p:blipFill>
+        <p:spPr>
+          <a:xfrm>
+            <a:off x="0" y="2303821"/>
+            <a:ext cx="4405886" cy="3162158"/>
+          </a:xfrm>
+          <a:prstGeom prst="rect">
+            <a:avLst/>
+          </a:prstGeom>
+        </p:spPr>
+      </p:pic>
+      <p:pic>
+        <p:nvPicPr>
+          <p:cNvPr id="13" name="Picture 12">
+            <a:extLst>
+              <a:ext uri="{FF2B5EF4-FFF2-40B4-BE49-F238E27FC236}">
+                <a16:creationId xmlns:a16="http://schemas.microsoft.com/office/drawing/2014/main" id="{18AABD41-5F35-44FA-B8FA-7FABE06B6FA6}"/>
+              </a:ext>
+            </a:extLst>
+          </p:cNvPr>
+          <p:cNvPicPr>
+            <a:picLocks noChangeAspect="1"/>
+          </p:cNvPicPr>
+          <p:nvPr/>
+        </p:nvPicPr>
+        <p:blipFill>
+          <a:blip r:embed="rId4"/>
+          <a:stretch>
+            <a:fillRect/>
+          </a:stretch>
+        </p:blipFill>
+        <p:spPr>
+          <a:xfrm>
+            <a:off x="4908362" y="0"/>
+            <a:ext cx="4235638" cy="3029929"/>
+          </a:xfrm>
+          <a:prstGeom prst="rect">
+            <a:avLst/>
+          </a:prstGeom>
+        </p:spPr>
+      </p:pic>
+      <p:pic>
+        <p:nvPicPr>
+          <p:cNvPr id="15" name="Picture 14">
+            <a:extLst>
+              <a:ext uri="{FF2B5EF4-FFF2-40B4-BE49-F238E27FC236}">
+                <a16:creationId xmlns:a16="http://schemas.microsoft.com/office/drawing/2014/main" id="{0976EEAB-4D00-4952-AA12-59AE404D172D}"/>
+              </a:ext>
+            </a:extLst>
+          </p:cNvPr>
+          <p:cNvPicPr>
+            <a:picLocks noChangeAspect="1"/>
+          </p:cNvPicPr>
+          <p:nvPr/>
+        </p:nvPicPr>
+        <p:blipFill>
+          <a:blip r:embed="rId5"/>
+          <a:stretch>
+            <a:fillRect/>
+          </a:stretch>
+        </p:blipFill>
+        <p:spPr>
+          <a:xfrm>
+            <a:off x="4884874" y="3089883"/>
+            <a:ext cx="4259125" cy="3029929"/>
+          </a:xfrm>
+          <a:prstGeom prst="rect">
+            <a:avLst/>
+          </a:prstGeom>
+        </p:spPr>
+      </p:pic>
+      <p:cxnSp>
+        <p:nvCxnSpPr>
+          <p:cNvPr id="19" name="Straight Arrow Connector 18">
+            <a:extLst>
+              <a:ext uri="{FF2B5EF4-FFF2-40B4-BE49-F238E27FC236}">
+                <a16:creationId xmlns:a16="http://schemas.microsoft.com/office/drawing/2014/main" id="{F7050C50-A858-48AB-9DED-4C03AC275905}"/>
+              </a:ext>
+            </a:extLst>
+          </p:cNvPr>
+          <p:cNvCxnSpPr/>
+          <p:nvPr/>
+        </p:nvCxnSpPr>
+        <p:spPr>
+          <a:xfrm flipV="1">
+            <a:off x="3644900" y="838200"/>
+            <a:ext cx="2895600" cy="2578100"/>
+          </a:xfrm>
+          <a:prstGeom prst="straightConnector1">
+            <a:avLst/>
+          </a:prstGeom>
+          <a:ln w="28575">
+            <a:solidFill>
+              <a:srgbClr val="FF0000"/>
+            </a:solidFill>
+            <a:tailEnd type="triangle"/>
+          </a:ln>
+        </p:spPr>
+        <p:style>
+          <a:lnRef idx="1">
+            <a:schemeClr val="accent1"/>
+          </a:lnRef>
+          <a:fillRef idx="0">
+            <a:schemeClr val="accent1"/>
+          </a:fillRef>
+          <a:effectRef idx="0">
+            <a:schemeClr val="accent1"/>
+          </a:effectRef>
+          <a:fontRef idx="minor">
+            <a:schemeClr val="tx1"/>
+          </a:fontRef>
+        </p:style>
+      </p:cxnSp>
+      <p:cxnSp>
+        <p:nvCxnSpPr>
+          <p:cNvPr id="20" name="Straight Arrow Connector 19">
+            <a:extLst>
+              <a:ext uri="{FF2B5EF4-FFF2-40B4-BE49-F238E27FC236}">
+                <a16:creationId xmlns:a16="http://schemas.microsoft.com/office/drawing/2014/main" id="{36675DEF-4526-4D0C-9764-D27E85AA5249}"/>
+              </a:ext>
+            </a:extLst>
+          </p:cNvPr>
+          <p:cNvCxnSpPr>
+            <a:cxnSpLocks/>
+          </p:cNvCxnSpPr>
+          <p:nvPr/>
+        </p:nvCxnSpPr>
+        <p:spPr>
+          <a:xfrm flipV="1">
+            <a:off x="3665674" y="3667451"/>
+            <a:ext cx="2201726" cy="489232"/>
+          </a:xfrm>
+          <a:prstGeom prst="straightConnector1">
+            <a:avLst/>
+          </a:prstGeom>
+          <a:ln w="28575">
+            <a:solidFill>
+              <a:srgbClr val="FF0000"/>
+            </a:solidFill>
+            <a:tailEnd type="triangle"/>
+          </a:ln>
+        </p:spPr>
+        <p:style>
+          <a:lnRef idx="1">
+            <a:schemeClr val="accent1"/>
+          </a:lnRef>
+          <a:fillRef idx="0">
+            <a:schemeClr val="accent1"/>
+          </a:fillRef>
+          <a:effectRef idx="0">
+            <a:schemeClr val="accent1"/>
+          </a:effectRef>
+          <a:fontRef idx="minor">
+            <a:schemeClr val="tx1"/>
+          </a:fontRef>
+        </p:style>
+      </p:cxnSp>
+      <p:pic>
+        <p:nvPicPr>
+          <p:cNvPr id="23" name="Picture 22">
+            <a:extLst>
+              <a:ext uri="{FF2B5EF4-FFF2-40B4-BE49-F238E27FC236}">
+                <a16:creationId xmlns:a16="http://schemas.microsoft.com/office/drawing/2014/main" id="{2136365E-3AA4-4566-BF4D-B259B9E85D8B}"/>
+              </a:ext>
+            </a:extLst>
+          </p:cNvPr>
+          <p:cNvPicPr>
+            <a:picLocks noChangeAspect="1"/>
+          </p:cNvPicPr>
+          <p:nvPr/>
+        </p:nvPicPr>
+        <p:blipFill>
+          <a:blip r:embed="rId6"/>
+          <a:stretch>
+            <a:fillRect/>
+          </a:stretch>
+        </p:blipFill>
+        <p:spPr>
+          <a:xfrm>
+            <a:off x="9517385" y="456202"/>
+            <a:ext cx="2585715" cy="1847619"/>
+          </a:xfrm>
+          <a:prstGeom prst="rect">
+            <a:avLst/>
+          </a:prstGeom>
+        </p:spPr>
+      </p:pic>
+    </p:spTree>
+    <p:extLst>
+      <p:ext uri="{BB962C8B-B14F-4D97-AF65-F5344CB8AC3E}">
+        <p14:creationId xmlns:p14="http://schemas.microsoft.com/office/powerpoint/2010/main" val="419930461"/>
       </p:ext>
     </p:extLst>
   </p:cSld>
